--- a/rest-sphinx-for-open-source.pptx
+++ b/rest-sphinx-for-open-source.pptx
@@ -7,13 +7,15 @@
   <p:sldIdLst>
     <p:sldId id="256" r:id="rId2"/>
     <p:sldId id="258" r:id="rId3"/>
-    <p:sldId id="263" r:id="rId4"/>
-    <p:sldId id="257" r:id="rId5"/>
-    <p:sldId id="259" r:id="rId6"/>
-    <p:sldId id="261" r:id="rId7"/>
-    <p:sldId id="260" r:id="rId8"/>
-    <p:sldId id="262" r:id="rId9"/>
-    <p:sldId id="264" r:id="rId10"/>
+    <p:sldId id="266" r:id="rId4"/>
+    <p:sldId id="263" r:id="rId5"/>
+    <p:sldId id="257" r:id="rId6"/>
+    <p:sldId id="259" r:id="rId7"/>
+    <p:sldId id="261" r:id="rId8"/>
+    <p:sldId id="260" r:id="rId9"/>
+    <p:sldId id="265" r:id="rId10"/>
+    <p:sldId id="262" r:id="rId11"/>
+    <p:sldId id="264" r:id="rId12"/>
   </p:sldIdLst>
   <p:sldSz cx="12192000" cy="6858000"/>
   <p:notesSz cx="6858000" cy="9144000"/>
@@ -112,13 +114,18 @@
       </a:defRPr>
     </a:lvl9pPr>
   </p:defaultTextStyle>
+  <p:extLst>
+    <p:ext uri="{EFAFB233-063F-42B5-8137-9DF3F51BA10A}">
+      <p15:sldGuideLst xmlns:p15="http://schemas.microsoft.com/office/powerpoint/2012/main"/>
+    </p:ext>
+  </p:extLst>
 </p:presentation>
 </file>
 
 <file path=ppt/revisionInfo.xml><?xml version="1.0" encoding="utf-8"?>
 <p1510:revInfo xmlns:a="http://schemas.openxmlformats.org/drawingml/2006/main" xmlns:r="http://schemas.openxmlformats.org/officeDocument/2006/relationships" xmlns:p1510="http://schemas.microsoft.com/office/powerpoint/2015/10/main">
   <p1510:revLst>
-    <p1510:client id="{7A81E006-BAAF-4FB6-9366-2048DAA4EAD3}" v="39" dt="2021-03-17T23:35:37.856"/>
+    <p1510:client id="{7A81E006-BAAF-4FB6-9366-2048DAA4EAD3}" v="45" dt="2021-03-18T21:50:42.161"/>
   </p1510:revLst>
 </p1510:revInfo>
 </file>
@@ -128,7 +135,7 @@
   <pc:docChgLst>
     <pc:chgData name="Putnam, Kevin" userId="681cfe02-6999-49f9-af97-1532518edac8" providerId="ADAL" clId="{7A81E006-BAAF-4FB6-9366-2048DAA4EAD3}"/>
     <pc:docChg chg="undo custSel addSld modSld sldOrd">
-      <pc:chgData name="Putnam, Kevin" userId="681cfe02-6999-49f9-af97-1532518edac8" providerId="ADAL" clId="{7A81E006-BAAF-4FB6-9366-2048DAA4EAD3}" dt="2021-03-17T23:54:03.148" v="5353" actId="20577"/>
+      <pc:chgData name="Putnam, Kevin" userId="681cfe02-6999-49f9-af97-1532518edac8" providerId="ADAL" clId="{7A81E006-BAAF-4FB6-9366-2048DAA4EAD3}" dt="2021-03-18T21:51:15.238" v="6021" actId="20577"/>
       <pc:docMkLst>
         <pc:docMk/>
       </pc:docMkLst>
@@ -147,8 +154,8 @@
           </ac:spMkLst>
         </pc:spChg>
       </pc:sldChg>
-      <pc:sldChg chg="modSp new mod">
-        <pc:chgData name="Putnam, Kevin" userId="681cfe02-6999-49f9-af97-1532518edac8" providerId="ADAL" clId="{7A81E006-BAAF-4FB6-9366-2048DAA4EAD3}" dt="2021-03-17T23:04:22.747" v="4001" actId="20577"/>
+      <pc:sldChg chg="addSp modSp new mod">
+        <pc:chgData name="Putnam, Kevin" userId="681cfe02-6999-49f9-af97-1532518edac8" providerId="ADAL" clId="{7A81E006-BAAF-4FB6-9366-2048DAA4EAD3}" dt="2021-03-18T16:34:08.226" v="5359" actId="14100"/>
         <pc:sldMkLst>
           <pc:docMk/>
           <pc:sldMk cId="598176695" sldId="257"/>
@@ -167,6 +174,14 @@
             <pc:docMk/>
             <pc:sldMk cId="598176695" sldId="257"/>
             <ac:spMk id="3" creationId="{2BB4102B-D2A6-43E8-AA01-7A4F878E7CAF}"/>
+          </ac:spMkLst>
+        </pc:spChg>
+        <pc:spChg chg="add mod">
+          <ac:chgData name="Putnam, Kevin" userId="681cfe02-6999-49f9-af97-1532518edac8" providerId="ADAL" clId="{7A81E006-BAAF-4FB6-9366-2048DAA4EAD3}" dt="2021-03-18T16:34:08.226" v="5359" actId="14100"/>
+          <ac:spMkLst>
+            <pc:docMk/>
+            <pc:sldMk cId="598176695" sldId="257"/>
+            <ac:spMk id="4" creationId="{C0BA8A2B-68C8-491A-BA2B-A1269C70BD6E}"/>
           </ac:spMkLst>
         </pc:spChg>
       </pc:sldChg>
@@ -541,7 +556,7 @@
         </pc:spChg>
       </pc:sldChg>
       <pc:sldChg chg="modSp new mod">
-        <pc:chgData name="Putnam, Kevin" userId="681cfe02-6999-49f9-af97-1532518edac8" providerId="ADAL" clId="{7A81E006-BAAF-4FB6-9366-2048DAA4EAD3}" dt="2021-03-17T23:54:03.148" v="5353" actId="20577"/>
+        <pc:chgData name="Putnam, Kevin" userId="681cfe02-6999-49f9-af97-1532518edac8" providerId="ADAL" clId="{7A81E006-BAAF-4FB6-9366-2048DAA4EAD3}" dt="2021-03-18T21:39:42.591" v="5382" actId="20577"/>
         <pc:sldMkLst>
           <pc:docMk/>
           <pc:sldMk cId="3730033890" sldId="264"/>
@@ -555,11 +570,57 @@
           </ac:spMkLst>
         </pc:spChg>
         <pc:spChg chg="mod">
-          <ac:chgData name="Putnam, Kevin" userId="681cfe02-6999-49f9-af97-1532518edac8" providerId="ADAL" clId="{7A81E006-BAAF-4FB6-9366-2048DAA4EAD3}" dt="2021-03-17T23:54:03.148" v="5353" actId="20577"/>
+          <ac:chgData name="Putnam, Kevin" userId="681cfe02-6999-49f9-af97-1532518edac8" providerId="ADAL" clId="{7A81E006-BAAF-4FB6-9366-2048DAA4EAD3}" dt="2021-03-18T21:39:42.591" v="5382" actId="20577"/>
           <ac:spMkLst>
             <pc:docMk/>
             <pc:sldMk cId="3730033890" sldId="264"/>
             <ac:spMk id="3" creationId="{2AF3DEE9-06EC-47CE-86CD-BA58C3AA19F8}"/>
+          </ac:spMkLst>
+        </pc:spChg>
+      </pc:sldChg>
+      <pc:sldChg chg="modSp new mod">
+        <pc:chgData name="Putnam, Kevin" userId="681cfe02-6999-49f9-af97-1532518edac8" providerId="ADAL" clId="{7A81E006-BAAF-4FB6-9366-2048DAA4EAD3}" dt="2021-03-18T21:43:33.742" v="5948" actId="20577"/>
+        <pc:sldMkLst>
+          <pc:docMk/>
+          <pc:sldMk cId="2311262950" sldId="265"/>
+        </pc:sldMkLst>
+        <pc:spChg chg="mod">
+          <ac:chgData name="Putnam, Kevin" userId="681cfe02-6999-49f9-af97-1532518edac8" providerId="ADAL" clId="{7A81E006-BAAF-4FB6-9366-2048DAA4EAD3}" dt="2021-03-18T21:40:50.392" v="5429" actId="20577"/>
+          <ac:spMkLst>
+            <pc:docMk/>
+            <pc:sldMk cId="2311262950" sldId="265"/>
+            <ac:spMk id="2" creationId="{0984A0DC-7E4D-467E-8683-61C4FCF41502}"/>
+          </ac:spMkLst>
+        </pc:spChg>
+        <pc:spChg chg="mod">
+          <ac:chgData name="Putnam, Kevin" userId="681cfe02-6999-49f9-af97-1532518edac8" providerId="ADAL" clId="{7A81E006-BAAF-4FB6-9366-2048DAA4EAD3}" dt="2021-03-18T21:43:33.742" v="5948" actId="20577"/>
+          <ac:spMkLst>
+            <pc:docMk/>
+            <pc:sldMk cId="2311262950" sldId="265"/>
+            <ac:spMk id="3" creationId="{F0F0B623-BC93-4EA9-9DC6-B003F01A82CD}"/>
+          </ac:spMkLst>
+        </pc:spChg>
+      </pc:sldChg>
+      <pc:sldChg chg="modSp new mod">
+        <pc:chgData name="Putnam, Kevin" userId="681cfe02-6999-49f9-af97-1532518edac8" providerId="ADAL" clId="{7A81E006-BAAF-4FB6-9366-2048DAA4EAD3}" dt="2021-03-18T21:51:15.238" v="6021" actId="20577"/>
+        <pc:sldMkLst>
+          <pc:docMk/>
+          <pc:sldMk cId="3836061345" sldId="266"/>
+        </pc:sldMkLst>
+        <pc:spChg chg="mod">
+          <ac:chgData name="Putnam, Kevin" userId="681cfe02-6999-49f9-af97-1532518edac8" providerId="ADAL" clId="{7A81E006-BAAF-4FB6-9366-2048DAA4EAD3}" dt="2021-03-18T21:50:02.455" v="5998" actId="20577"/>
+          <ac:spMkLst>
+            <pc:docMk/>
+            <pc:sldMk cId="3836061345" sldId="266"/>
+            <ac:spMk id="2" creationId="{9EE2AE85-6431-4DB6-9803-3303D7AD0DAF}"/>
+          </ac:spMkLst>
+        </pc:spChg>
+        <pc:spChg chg="mod">
+          <ac:chgData name="Putnam, Kevin" userId="681cfe02-6999-49f9-af97-1532518edac8" providerId="ADAL" clId="{7A81E006-BAAF-4FB6-9366-2048DAA4EAD3}" dt="2021-03-18T21:51:15.238" v="6021" actId="20577"/>
+          <ac:spMkLst>
+            <pc:docMk/>
+            <pc:sldMk cId="3836061345" sldId="266"/>
+            <ac:spMk id="3" creationId="{AB80D5A2-9177-4690-A54D-D1B088164562}"/>
           </ac:spMkLst>
         </pc:spChg>
       </pc:sldChg>
@@ -715,7 +776,7 @@
           <a:p>
             <a:fld id="{F18EC7EA-0C6D-4EFE-8696-60728FAB577D}" type="datetimeFigureOut">
               <a:rPr lang="en-US" smtClean="0"/>
-              <a:t>3/17/2021</a:t>
+              <a:t>3/18/2021</a:t>
             </a:fld>
             <a:endParaRPr lang="en-US"/>
           </a:p>
@@ -913,7 +974,7 @@
           <a:p>
             <a:fld id="{F18EC7EA-0C6D-4EFE-8696-60728FAB577D}" type="datetimeFigureOut">
               <a:rPr lang="en-US" smtClean="0"/>
-              <a:t>3/17/2021</a:t>
+              <a:t>3/18/2021</a:t>
             </a:fld>
             <a:endParaRPr lang="en-US"/>
           </a:p>
@@ -1121,7 +1182,7 @@
           <a:p>
             <a:fld id="{F18EC7EA-0C6D-4EFE-8696-60728FAB577D}" type="datetimeFigureOut">
               <a:rPr lang="en-US" smtClean="0"/>
-              <a:t>3/17/2021</a:t>
+              <a:t>3/18/2021</a:t>
             </a:fld>
             <a:endParaRPr lang="en-US"/>
           </a:p>
@@ -1319,7 +1380,7 @@
           <a:p>
             <a:fld id="{F18EC7EA-0C6D-4EFE-8696-60728FAB577D}" type="datetimeFigureOut">
               <a:rPr lang="en-US" smtClean="0"/>
-              <a:t>3/17/2021</a:t>
+              <a:t>3/18/2021</a:t>
             </a:fld>
             <a:endParaRPr lang="en-US"/>
           </a:p>
@@ -1594,7 +1655,7 @@
           <a:p>
             <a:fld id="{F18EC7EA-0C6D-4EFE-8696-60728FAB577D}" type="datetimeFigureOut">
               <a:rPr lang="en-US" smtClean="0"/>
-              <a:t>3/17/2021</a:t>
+              <a:t>3/18/2021</a:t>
             </a:fld>
             <a:endParaRPr lang="en-US"/>
           </a:p>
@@ -1859,7 +1920,7 @@
           <a:p>
             <a:fld id="{F18EC7EA-0C6D-4EFE-8696-60728FAB577D}" type="datetimeFigureOut">
               <a:rPr lang="en-US" smtClean="0"/>
-              <a:t>3/17/2021</a:t>
+              <a:t>3/18/2021</a:t>
             </a:fld>
             <a:endParaRPr lang="en-US"/>
           </a:p>
@@ -2271,7 +2332,7 @@
           <a:p>
             <a:fld id="{F18EC7EA-0C6D-4EFE-8696-60728FAB577D}" type="datetimeFigureOut">
               <a:rPr lang="en-US" smtClean="0"/>
-              <a:t>3/17/2021</a:t>
+              <a:t>3/18/2021</a:t>
             </a:fld>
             <a:endParaRPr lang="en-US"/>
           </a:p>
@@ -2412,7 +2473,7 @@
           <a:p>
             <a:fld id="{F18EC7EA-0C6D-4EFE-8696-60728FAB577D}" type="datetimeFigureOut">
               <a:rPr lang="en-US" smtClean="0"/>
-              <a:t>3/17/2021</a:t>
+              <a:t>3/18/2021</a:t>
             </a:fld>
             <a:endParaRPr lang="en-US"/>
           </a:p>
@@ -2525,7 +2586,7 @@
           <a:p>
             <a:fld id="{F18EC7EA-0C6D-4EFE-8696-60728FAB577D}" type="datetimeFigureOut">
               <a:rPr lang="en-US" smtClean="0"/>
-              <a:t>3/17/2021</a:t>
+              <a:t>3/18/2021</a:t>
             </a:fld>
             <a:endParaRPr lang="en-US"/>
           </a:p>
@@ -2836,7 +2897,7 @@
           <a:p>
             <a:fld id="{F18EC7EA-0C6D-4EFE-8696-60728FAB577D}" type="datetimeFigureOut">
               <a:rPr lang="en-US" smtClean="0"/>
-              <a:t>3/17/2021</a:t>
+              <a:t>3/18/2021</a:t>
             </a:fld>
             <a:endParaRPr lang="en-US"/>
           </a:p>
@@ -3124,7 +3185,7 @@
           <a:p>
             <a:fld id="{F18EC7EA-0C6D-4EFE-8696-60728FAB577D}" type="datetimeFigureOut">
               <a:rPr lang="en-US" smtClean="0"/>
-              <a:t>3/17/2021</a:t>
+              <a:t>3/18/2021</a:t>
             </a:fld>
             <a:endParaRPr lang="en-US"/>
           </a:p>
@@ -3365,7 +3426,7 @@
           <a:p>
             <a:fld id="{F18EC7EA-0C6D-4EFE-8696-60728FAB577D}" type="datetimeFigureOut">
               <a:rPr lang="en-US" smtClean="0"/>
-              <a:t>3/17/2021</a:t>
+              <a:t>3/18/2021</a:t>
             </a:fld>
             <a:endParaRPr lang="en-US"/>
           </a:p>
@@ -3861,6 +3922,377 @@
 </p:sld>
 </file>
 
+<file path=ppt/slides/slide10.xml><?xml version="1.0" encoding="utf-8"?>
+<p:sld xmlns:a="http://schemas.openxmlformats.org/drawingml/2006/main" xmlns:r="http://schemas.openxmlformats.org/officeDocument/2006/relationships" xmlns:p="http://schemas.openxmlformats.org/presentationml/2006/main">
+  <p:cSld>
+    <p:spTree>
+      <p:nvGrpSpPr>
+        <p:cNvPr id="1" name=""/>
+        <p:cNvGrpSpPr/>
+        <p:nvPr/>
+      </p:nvGrpSpPr>
+      <p:grpSpPr>
+        <a:xfrm>
+          <a:off x="0" y="0"/>
+          <a:ext cx="0" cy="0"/>
+          <a:chOff x="0" y="0"/>
+          <a:chExt cx="0" cy="0"/>
+        </a:xfrm>
+      </p:grpSpPr>
+      <p:sp>
+        <p:nvSpPr>
+          <p:cNvPr id="2" name="Title 1">
+            <a:extLst>
+              <a:ext uri="{FF2B5EF4-FFF2-40B4-BE49-F238E27FC236}">
+                <a16:creationId xmlns:a16="http://schemas.microsoft.com/office/drawing/2014/main" id="{9F2DBC17-3384-4BA3-B186-C0A3FCCC73A4}"/>
+              </a:ext>
+            </a:extLst>
+          </p:cNvPr>
+          <p:cNvSpPr>
+            <a:spLocks noGrp="1"/>
+          </p:cNvSpPr>
+          <p:nvPr>
+            <p:ph type="title"/>
+          </p:nvPr>
+        </p:nvSpPr>
+        <p:spPr/>
+        <p:txBody>
+          <a:bodyPr/>
+          <a:lstStyle/>
+          <a:p>
+            <a:r>
+              <a:rPr lang="en-US" dirty="0"/>
+              <a:t>Sphinx</a:t>
+            </a:r>
+          </a:p>
+        </p:txBody>
+      </p:sp>
+      <p:sp>
+        <p:nvSpPr>
+          <p:cNvPr id="3" name="Content Placeholder 2">
+            <a:extLst>
+              <a:ext uri="{FF2B5EF4-FFF2-40B4-BE49-F238E27FC236}">
+                <a16:creationId xmlns:a16="http://schemas.microsoft.com/office/drawing/2014/main" id="{A8D25C05-4255-4F95-B566-B28D15DF7D51}"/>
+              </a:ext>
+            </a:extLst>
+          </p:cNvPr>
+          <p:cNvSpPr>
+            <a:spLocks noGrp="1"/>
+          </p:cNvSpPr>
+          <p:nvPr>
+            <p:ph idx="1"/>
+          </p:nvPr>
+        </p:nvSpPr>
+        <p:spPr/>
+        <p:txBody>
+          <a:bodyPr>
+            <a:normAutofit lnSpcReduction="10000"/>
+          </a:bodyPr>
+          <a:lstStyle/>
+          <a:p>
+            <a:pPr marL="0" indent="0">
+              <a:buNone/>
+            </a:pPr>
+            <a:r>
+              <a:rPr lang="en-US" dirty="0">
+                <a:hlinkClick r:id="rId2"/>
+              </a:rPr>
+              <a:t>Sphinx</a:t>
+            </a:r>
+            <a:r>
+              <a:rPr lang="en-US" dirty="0"/>
+              <a:t> is an open-source documentation generation framework that uses </a:t>
+            </a:r>
+            <a:r>
+              <a:rPr lang="en-US" dirty="0" err="1"/>
+              <a:t>reStructureText</a:t>
+            </a:r>
+            <a:r>
+              <a:rPr lang="en-US" dirty="0"/>
+              <a:t> as its source. </a:t>
+            </a:r>
+          </a:p>
+          <a:p>
+            <a:pPr marL="0" indent="0">
+              <a:buNone/>
+            </a:pPr>
+            <a:endParaRPr lang="en-US" dirty="0"/>
+          </a:p>
+          <a:p>
+            <a:pPr marL="0" indent="0">
+              <a:buNone/>
+            </a:pPr>
+            <a:r>
+              <a:rPr lang="en-US" dirty="0"/>
+              <a:t>It was originally developed to create documentation for the Python programming language and is written in Python.</a:t>
+            </a:r>
+          </a:p>
+          <a:p>
+            <a:pPr marL="0" indent="0">
+              <a:buNone/>
+            </a:pPr>
+            <a:endParaRPr lang="en-US" dirty="0"/>
+          </a:p>
+          <a:p>
+            <a:pPr marL="0" indent="0">
+              <a:buNone/>
+            </a:pPr>
+            <a:r>
+              <a:rPr lang="en-US" dirty="0"/>
+              <a:t>It can combine any number of </a:t>
+            </a:r>
+            <a:r>
+              <a:rPr lang="en-US" dirty="0" err="1"/>
+              <a:t>reST</a:t>
+            </a:r>
+            <a:r>
+              <a:rPr lang="en-US" dirty="0"/>
+              <a:t> files into a single document set. Sphinx markup is a superset of </a:t>
+            </a:r>
+            <a:r>
+              <a:rPr lang="en-US" dirty="0" err="1"/>
+              <a:t>reStructuredText</a:t>
+            </a:r>
+            <a:r>
+              <a:rPr lang="en-US" dirty="0"/>
+              <a:t>, defining new </a:t>
+            </a:r>
+            <a:r>
+              <a:rPr lang="en-US" b="1" dirty="0"/>
+              <a:t>directives</a:t>
+            </a:r>
+            <a:r>
+              <a:rPr lang="en-US" dirty="0"/>
+              <a:t> and </a:t>
+            </a:r>
+            <a:r>
+              <a:rPr lang="en-US" b="1" dirty="0"/>
+              <a:t>roles</a:t>
+            </a:r>
+            <a:r>
+              <a:rPr lang="en-US" dirty="0"/>
+              <a:t>. Sphinx makes it easy to customize the look and feel of the static HTML output.</a:t>
+            </a:r>
+          </a:p>
+          <a:p>
+            <a:pPr marL="0" indent="0">
+              <a:buNone/>
+            </a:pPr>
+            <a:endParaRPr lang="en-US" dirty="0"/>
+          </a:p>
+        </p:txBody>
+      </p:sp>
+    </p:spTree>
+    <p:extLst>
+      <p:ext uri="{BB962C8B-B14F-4D97-AF65-F5344CB8AC3E}">
+        <p14:creationId xmlns:p14="http://schemas.microsoft.com/office/powerpoint/2010/main" val="1940685784"/>
+      </p:ext>
+    </p:extLst>
+  </p:cSld>
+  <p:clrMapOvr>
+    <a:masterClrMapping/>
+  </p:clrMapOvr>
+</p:sld>
+</file>
+
+<file path=ppt/slides/slide11.xml><?xml version="1.0" encoding="utf-8"?>
+<p:sld xmlns:a="http://schemas.openxmlformats.org/drawingml/2006/main" xmlns:r="http://schemas.openxmlformats.org/officeDocument/2006/relationships" xmlns:p="http://schemas.openxmlformats.org/presentationml/2006/main">
+  <p:cSld>
+    <p:spTree>
+      <p:nvGrpSpPr>
+        <p:cNvPr id="1" name=""/>
+        <p:cNvGrpSpPr/>
+        <p:nvPr/>
+      </p:nvGrpSpPr>
+      <p:grpSpPr>
+        <a:xfrm>
+          <a:off x="0" y="0"/>
+          <a:ext cx="0" cy="0"/>
+          <a:chOff x="0" y="0"/>
+          <a:chExt cx="0" cy="0"/>
+        </a:xfrm>
+      </p:grpSpPr>
+      <p:sp>
+        <p:nvSpPr>
+          <p:cNvPr id="2" name="Title 1">
+            <a:extLst>
+              <a:ext uri="{FF2B5EF4-FFF2-40B4-BE49-F238E27FC236}">
+                <a16:creationId xmlns:a16="http://schemas.microsoft.com/office/drawing/2014/main" id="{0ED33DF6-7667-4E4E-AACF-A2FCC6BC8CA9}"/>
+              </a:ext>
+            </a:extLst>
+          </p:cNvPr>
+          <p:cNvSpPr>
+            <a:spLocks noGrp="1"/>
+          </p:cNvSpPr>
+          <p:nvPr>
+            <p:ph type="title"/>
+          </p:nvPr>
+        </p:nvSpPr>
+        <p:spPr/>
+        <p:txBody>
+          <a:bodyPr/>
+          <a:lstStyle/>
+          <a:p>
+            <a:r>
+              <a:rPr lang="en-US" dirty="0"/>
+              <a:t>Sphinx basics</a:t>
+            </a:r>
+          </a:p>
+        </p:txBody>
+      </p:sp>
+      <p:sp>
+        <p:nvSpPr>
+          <p:cNvPr id="3" name="Content Placeholder 2">
+            <a:extLst>
+              <a:ext uri="{FF2B5EF4-FFF2-40B4-BE49-F238E27FC236}">
+                <a16:creationId xmlns:a16="http://schemas.microsoft.com/office/drawing/2014/main" id="{2AF3DEE9-06EC-47CE-86CD-BA58C3AA19F8}"/>
+              </a:ext>
+            </a:extLst>
+          </p:cNvPr>
+          <p:cNvSpPr>
+            <a:spLocks noGrp="1"/>
+          </p:cNvSpPr>
+          <p:nvPr>
+            <p:ph idx="1"/>
+          </p:nvPr>
+        </p:nvSpPr>
+        <p:spPr/>
+        <p:txBody>
+          <a:bodyPr>
+            <a:normAutofit lnSpcReduction="10000"/>
+          </a:bodyPr>
+          <a:lstStyle/>
+          <a:p>
+            <a:r>
+              <a:rPr lang="en-US" dirty="0"/>
+              <a:t>The .. </a:t>
+            </a:r>
+            <a:r>
+              <a:rPr lang="en-US" dirty="0" err="1"/>
+              <a:t>toctree</a:t>
+            </a:r>
+            <a:r>
+              <a:rPr lang="en-US" dirty="0"/>
+              <a:t>:: directive is the most important element of a Sphinx project. Every </a:t>
+            </a:r>
+            <a:r>
+              <a:rPr lang="en-US" dirty="0" err="1"/>
+              <a:t>reST</a:t>
+            </a:r>
+            <a:r>
+              <a:rPr lang="en-US" dirty="0"/>
+              <a:t> file must be referenced by a </a:t>
+            </a:r>
+            <a:r>
+              <a:rPr lang="en-US" dirty="0" err="1"/>
+              <a:t>toctree</a:t>
+            </a:r>
+            <a:r>
+              <a:rPr lang="en-US" dirty="0"/>
+              <a:t>.</a:t>
+            </a:r>
+          </a:p>
+          <a:p>
+            <a:r>
+              <a:rPr lang="en-US" dirty="0"/>
+              <a:t>Link to any reference target using the :ref: role no matter what file it is in (this is why they should be unique).</a:t>
+            </a:r>
+          </a:p>
+          <a:p>
+            <a:r>
+              <a:rPr lang="en-US" dirty="0"/>
+              <a:t>Only two files are required (the 3</a:t>
+            </a:r>
+            <a:r>
+              <a:rPr lang="en-US" baseline="30000" dirty="0"/>
+              <a:t>rd</a:t>
+            </a:r>
+            <a:r>
+              <a:rPr lang="en-US" dirty="0"/>
+              <a:t> is optional):</a:t>
+            </a:r>
+          </a:p>
+          <a:p>
+            <a:pPr marL="914400" lvl="1" indent="-457200">
+              <a:buFont typeface="+mj-lt"/>
+              <a:buAutoNum type="arabicPeriod"/>
+            </a:pPr>
+            <a:r>
+              <a:rPr lang="en-US" dirty="0"/>
+              <a:t>conf.py – configuration information for the Sphinx project.</a:t>
+            </a:r>
+          </a:p>
+          <a:p>
+            <a:pPr marL="914400" lvl="1" indent="-457200">
+              <a:buFont typeface="+mj-lt"/>
+              <a:buAutoNum type="arabicPeriod"/>
+            </a:pPr>
+            <a:r>
+              <a:rPr lang="en-US" dirty="0" err="1"/>
+              <a:t>index.rst</a:t>
+            </a:r>
+            <a:r>
+              <a:rPr lang="en-US" dirty="0"/>
+              <a:t> – top level file with primary </a:t>
+            </a:r>
+            <a:r>
+              <a:rPr lang="en-US" dirty="0" err="1"/>
+              <a:t>toctree</a:t>
+            </a:r>
+            <a:r>
+              <a:rPr lang="en-US" dirty="0"/>
+              <a:t>.</a:t>
+            </a:r>
+          </a:p>
+          <a:p>
+            <a:pPr marL="914400" lvl="1" indent="-457200">
+              <a:buFont typeface="+mj-lt"/>
+              <a:buAutoNum type="arabicPeriod"/>
+            </a:pPr>
+            <a:r>
+              <a:rPr lang="en-US" dirty="0" err="1"/>
+              <a:t>Makefile</a:t>
+            </a:r>
+            <a:r>
+              <a:rPr lang="en-US" dirty="0"/>
+              <a:t>/make.bat – are included to make building easier.</a:t>
+            </a:r>
+          </a:p>
+          <a:p>
+            <a:r>
+              <a:rPr lang="en-US" dirty="0"/>
+              <a:t>Build the docs:</a:t>
+            </a:r>
+          </a:p>
+          <a:p>
+            <a:pPr lvl="1"/>
+            <a:r>
+              <a:rPr lang="en-US" dirty="0"/>
+              <a:t>Using make: make html</a:t>
+            </a:r>
+          </a:p>
+          <a:p>
+            <a:pPr lvl="1"/>
+            <a:r>
+              <a:rPr lang="en-US" dirty="0"/>
+              <a:t>sphinx-build -b html . _build/html  </a:t>
+            </a:r>
+          </a:p>
+        </p:txBody>
+      </p:sp>
+    </p:spTree>
+    <p:extLst>
+      <p:ext uri="{BB962C8B-B14F-4D97-AF65-F5344CB8AC3E}">
+        <p14:creationId xmlns:p14="http://schemas.microsoft.com/office/powerpoint/2010/main" val="3730033890"/>
+      </p:ext>
+    </p:extLst>
+  </p:cSld>
+  <p:clrMapOvr>
+    <a:masterClrMapping/>
+  </p:clrMapOvr>
+</p:sld>
+</file>
+
 <file path=ppt/slides/slide2.xml><?xml version="1.0" encoding="utf-8"?>
 <p:sld xmlns:a="http://schemas.openxmlformats.org/drawingml/2006/main" xmlns:r="http://schemas.openxmlformats.org/officeDocument/2006/relationships" xmlns:p="http://schemas.openxmlformats.org/presentationml/2006/main">
   <p:cSld>
@@ -4027,7 +4459,7 @@
           <p:cNvPr id="2" name="Title 1">
             <a:extLst>
               <a:ext uri="{FF2B5EF4-FFF2-40B4-BE49-F238E27FC236}">
-                <a16:creationId xmlns:a16="http://schemas.microsoft.com/office/drawing/2014/main" id="{E327E355-DBE8-4647-968B-4FFF88C88BF7}"/>
+                <a16:creationId xmlns:a16="http://schemas.microsoft.com/office/drawing/2014/main" id="{9EE2AE85-6431-4DB6-9803-3303D7AD0DAF}"/>
               </a:ext>
             </a:extLst>
           </p:cNvPr>
@@ -4043,11 +4475,18 @@
           <a:bodyPr/>
           <a:lstStyle/>
           <a:p>
+            <a:r>
+              <a:rPr lang="en-US" dirty="0"/>
+              <a:t>Installing the </a:t>
+            </a:r>
             <a:r>
               <a:rPr lang="en-US" dirty="0" err="1"/>
               <a:t>reStructuredText</a:t>
             </a:r>
-            <a:endParaRPr lang="en-US" dirty="0"/>
+            <a:r>
+              <a:rPr lang="en-US" dirty="0"/>
+              <a:t> extension</a:t>
+            </a:r>
           </a:p>
         </p:txBody>
       </p:sp>
@@ -4056,7 +4495,7 @@
           <p:cNvPr id="3" name="Content Placeholder 2">
             <a:extLst>
               <a:ext uri="{FF2B5EF4-FFF2-40B4-BE49-F238E27FC236}">
-                <a16:creationId xmlns:a16="http://schemas.microsoft.com/office/drawing/2014/main" id="{385BE7DD-719A-4588-A8C6-D784C39300B3}"/>
+                <a16:creationId xmlns:a16="http://schemas.microsoft.com/office/drawing/2014/main" id="{AB80D5A2-9177-4690-A54D-D1B088164562}"/>
               </a:ext>
             </a:extLst>
           </p:cNvPr>
@@ -4072,46 +4511,41 @@
           <a:bodyPr/>
           <a:lstStyle/>
           <a:p>
-            <a:pPr marL="0" indent="0">
-              <a:buNone/>
+            <a:pPr marL="514350" lvl="0" indent="-514350">
+              <a:buFont typeface="+mj-lt"/>
+              <a:buAutoNum type="arabicPeriod"/>
             </a:pPr>
             <a:r>
+              <a:rPr lang="en-US" dirty="0"/>
+              <a:t>Click View&gt;Extensions (Ctrl-shift-x)</a:t>
+            </a:r>
+          </a:p>
+          <a:p>
+            <a:pPr marL="514350" lvl="0" indent="-514350">
+              <a:buFont typeface="+mj-lt"/>
+              <a:buAutoNum type="arabicPeriod"/>
+            </a:pPr>
+            <a:r>
+              <a:rPr lang="en-US" dirty="0"/>
+              <a:t>Type “</a:t>
+            </a:r>
+            <a:r>
               <a:rPr lang="en-US" dirty="0" err="1"/>
-              <a:t>reST</a:t>
-            </a:r>
-            <a:r>
-              <a:rPr lang="en-US" dirty="0"/>
-              <a:t> is a simple and extensible open-source markup language that is easy for humans to read.</a:t>
-            </a:r>
-          </a:p>
-          <a:p>
-            <a:pPr marL="0" indent="0">
-              <a:buNone/>
+              <a:t>restructuredtext</a:t>
+            </a:r>
+            <a:r>
+              <a:rPr lang="en-US" dirty="0"/>
+              <a:t>” in the search field that appears at the top of list of installed extensions (It should say “Search Extensions in Marketplace”).</a:t>
+            </a:r>
+          </a:p>
+          <a:p>
+            <a:pPr marL="514350" lvl="0" indent="-514350">
+              <a:buFont typeface="+mj-lt"/>
+              <a:buAutoNum type="arabicPeriod"/>
             </a:pPr>
-            <a:endParaRPr lang="en-US" dirty="0"/>
-          </a:p>
-          <a:p>
-            <a:pPr marL="0" indent="0">
-              <a:buNone/>
-            </a:pPr>
-            <a:r>
-              <a:rPr lang="en-US" dirty="0"/>
-              <a:t>It is intended to be converted into other formats including HTML.</a:t>
-            </a:r>
-          </a:p>
-          <a:p>
-            <a:pPr marL="0" indent="0">
-              <a:buNone/>
-            </a:pPr>
-            <a:endParaRPr lang="en-US" dirty="0"/>
-          </a:p>
-          <a:p>
-            <a:pPr marL="0" indent="0">
-              <a:buNone/>
-            </a:pPr>
-            <a:r>
-              <a:rPr lang="en-US" dirty="0"/>
-              <a:t>The </a:t>
+            <a:r>
+              <a:rPr lang="en-US" dirty="0"/>
+              <a:t>In the list of extensions, find “</a:t>
             </a:r>
             <a:r>
               <a:rPr lang="en-US" dirty="0" err="1"/>
@@ -4119,23 +4553,36 @@
             </a:r>
             <a:r>
               <a:rPr lang="en-US" dirty="0"/>
-              <a:t> specification is defined in </a:t>
-            </a:r>
-            <a:r>
-              <a:rPr lang="en-US" dirty="0" err="1">
-                <a:hlinkClick r:id="rId2"/>
-              </a:rPr>
-              <a:t>Docutils</a:t>
-            </a:r>
-            <a:r>
-              <a:rPr lang="en-US" dirty="0"/>
-              <a:t>. </a:t>
-            </a:r>
-          </a:p>
-          <a:p>
-            <a:pPr marL="0" indent="0">
-              <a:buNone/>
+              <a:t>” by </a:t>
+            </a:r>
+            <a:r>
+              <a:rPr lang="en-US" dirty="0" err="1"/>
+              <a:t>LeXtudio</a:t>
+            </a:r>
+            <a:r>
+              <a:rPr lang="en-US" dirty="0"/>
+              <a:t> Inc. It should be at the top of the list.</a:t>
+            </a:r>
+          </a:p>
+          <a:p>
+            <a:pPr marL="514350" lvl="0" indent="-514350">
+              <a:buFont typeface="+mj-lt"/>
+              <a:buAutoNum type="arabicPeriod"/>
             </a:pPr>
+            <a:r>
+              <a:rPr lang="en-US" dirty="0"/>
+              <a:t>Click the small blue “Install” button. Alternatively</a:t>
+            </a:r>
+            <a:r>
+              <a:rPr lang="en-US"/>
+              <a:t>, click </a:t>
+            </a:r>
+            <a:r>
+              <a:rPr lang="en-US" dirty="0"/>
+              <a:t>on the extension in the list and the full description of the extension should appear as a tab in the editor. There will be another “Install” button in the header area.</a:t>
+            </a:r>
+          </a:p>
+          <a:p>
             <a:endParaRPr lang="en-US" dirty="0"/>
           </a:p>
         </p:txBody>
@@ -4143,7 +4590,7 @@
     </p:spTree>
     <p:extLst>
       <p:ext uri="{BB962C8B-B14F-4D97-AF65-F5344CB8AC3E}">
-        <p14:creationId xmlns:p14="http://schemas.microsoft.com/office/powerpoint/2010/main" val="3579136289"/>
+        <p14:creationId xmlns:p14="http://schemas.microsoft.com/office/powerpoint/2010/main" val="3836061345"/>
       </p:ext>
     </p:extLst>
   </p:cSld>
@@ -4175,6 +4622,154 @@
           <p:cNvPr id="2" name="Title 1">
             <a:extLst>
               <a:ext uri="{FF2B5EF4-FFF2-40B4-BE49-F238E27FC236}">
+                <a16:creationId xmlns:a16="http://schemas.microsoft.com/office/drawing/2014/main" id="{E327E355-DBE8-4647-968B-4FFF88C88BF7}"/>
+              </a:ext>
+            </a:extLst>
+          </p:cNvPr>
+          <p:cNvSpPr>
+            <a:spLocks noGrp="1"/>
+          </p:cNvSpPr>
+          <p:nvPr>
+            <p:ph type="title"/>
+          </p:nvPr>
+        </p:nvSpPr>
+        <p:spPr/>
+        <p:txBody>
+          <a:bodyPr/>
+          <a:lstStyle/>
+          <a:p>
+            <a:r>
+              <a:rPr lang="en-US" dirty="0" err="1"/>
+              <a:t>reStructuredText</a:t>
+            </a:r>
+            <a:endParaRPr lang="en-US" dirty="0"/>
+          </a:p>
+        </p:txBody>
+      </p:sp>
+      <p:sp>
+        <p:nvSpPr>
+          <p:cNvPr id="3" name="Content Placeholder 2">
+            <a:extLst>
+              <a:ext uri="{FF2B5EF4-FFF2-40B4-BE49-F238E27FC236}">
+                <a16:creationId xmlns:a16="http://schemas.microsoft.com/office/drawing/2014/main" id="{385BE7DD-719A-4588-A8C6-D784C39300B3}"/>
+              </a:ext>
+            </a:extLst>
+          </p:cNvPr>
+          <p:cNvSpPr>
+            <a:spLocks noGrp="1"/>
+          </p:cNvSpPr>
+          <p:nvPr>
+            <p:ph idx="1"/>
+          </p:nvPr>
+        </p:nvSpPr>
+        <p:spPr/>
+        <p:txBody>
+          <a:bodyPr/>
+          <a:lstStyle/>
+          <a:p>
+            <a:pPr marL="0" indent="0">
+              <a:buNone/>
+            </a:pPr>
+            <a:r>
+              <a:rPr lang="en-US" dirty="0" err="1"/>
+              <a:t>reST</a:t>
+            </a:r>
+            <a:r>
+              <a:rPr lang="en-US" dirty="0"/>
+              <a:t> is a simple and extensible open-source markup language that is easy for humans to read.</a:t>
+            </a:r>
+          </a:p>
+          <a:p>
+            <a:pPr marL="0" indent="0">
+              <a:buNone/>
+            </a:pPr>
+            <a:endParaRPr lang="en-US" dirty="0"/>
+          </a:p>
+          <a:p>
+            <a:pPr marL="0" indent="0">
+              <a:buNone/>
+            </a:pPr>
+            <a:r>
+              <a:rPr lang="en-US" dirty="0"/>
+              <a:t>It is intended to be converted into other formats including HTML.</a:t>
+            </a:r>
+          </a:p>
+          <a:p>
+            <a:pPr marL="0" indent="0">
+              <a:buNone/>
+            </a:pPr>
+            <a:endParaRPr lang="en-US" dirty="0"/>
+          </a:p>
+          <a:p>
+            <a:pPr marL="0" indent="0">
+              <a:buNone/>
+            </a:pPr>
+            <a:r>
+              <a:rPr lang="en-US" dirty="0"/>
+              <a:t>The </a:t>
+            </a:r>
+            <a:r>
+              <a:rPr lang="en-US" dirty="0" err="1"/>
+              <a:t>reStructuredText</a:t>
+            </a:r>
+            <a:r>
+              <a:rPr lang="en-US" dirty="0"/>
+              <a:t> specification is defined in </a:t>
+            </a:r>
+            <a:r>
+              <a:rPr lang="en-US" dirty="0" err="1">
+                <a:hlinkClick r:id="rId2"/>
+              </a:rPr>
+              <a:t>Docutils</a:t>
+            </a:r>
+            <a:r>
+              <a:rPr lang="en-US" dirty="0"/>
+              <a:t>. </a:t>
+            </a:r>
+          </a:p>
+          <a:p>
+            <a:pPr marL="0" indent="0">
+              <a:buNone/>
+            </a:pPr>
+            <a:endParaRPr lang="en-US" dirty="0"/>
+          </a:p>
+        </p:txBody>
+      </p:sp>
+    </p:spTree>
+    <p:extLst>
+      <p:ext uri="{BB962C8B-B14F-4D97-AF65-F5344CB8AC3E}">
+        <p14:creationId xmlns:p14="http://schemas.microsoft.com/office/powerpoint/2010/main" val="3579136289"/>
+      </p:ext>
+    </p:extLst>
+  </p:cSld>
+  <p:clrMapOvr>
+    <a:masterClrMapping/>
+  </p:clrMapOvr>
+</p:sld>
+</file>
+
+<file path=ppt/slides/slide5.xml><?xml version="1.0" encoding="utf-8"?>
+<p:sld xmlns:a="http://schemas.openxmlformats.org/drawingml/2006/main" xmlns:r="http://schemas.openxmlformats.org/officeDocument/2006/relationships" xmlns:p="http://schemas.openxmlformats.org/presentationml/2006/main">
+  <p:cSld>
+    <p:spTree>
+      <p:nvGrpSpPr>
+        <p:cNvPr id="1" name=""/>
+        <p:cNvGrpSpPr/>
+        <p:nvPr/>
+      </p:nvGrpSpPr>
+      <p:grpSpPr>
+        <a:xfrm>
+          <a:off x="0" y="0"/>
+          <a:ext cx="0" cy="0"/>
+          <a:chOff x="0" y="0"/>
+          <a:chExt cx="0" cy="0"/>
+        </a:xfrm>
+      </p:grpSpPr>
+      <p:sp>
+        <p:nvSpPr>
+          <p:cNvPr id="2" name="Title 1">
+            <a:extLst>
+              <a:ext uri="{FF2B5EF4-FFF2-40B4-BE49-F238E27FC236}">
                 <a16:creationId xmlns:a16="http://schemas.microsoft.com/office/drawing/2014/main" id="{04ECBCB8-143E-45B9-8EA8-8FFD7585C4DB}"/>
               </a:ext>
             </a:extLst>
@@ -4364,6 +4959,43 @@
               <a:rPr lang="en-US" dirty="0"/>
               <a:t>Automatically in GitHub and GitLab</a:t>
             </a:r>
+          </a:p>
+        </p:txBody>
+      </p:sp>
+      <p:sp>
+        <p:nvSpPr>
+          <p:cNvPr id="4" name="Rectangle 3">
+            <a:extLst>
+              <a:ext uri="{FF2B5EF4-FFF2-40B4-BE49-F238E27FC236}">
+                <a16:creationId xmlns:a16="http://schemas.microsoft.com/office/drawing/2014/main" id="{C0BA8A2B-68C8-491A-BA2B-A1269C70BD6E}"/>
+              </a:ext>
+            </a:extLst>
+          </p:cNvPr>
+          <p:cNvSpPr/>
+          <p:nvPr/>
+        </p:nvSpPr>
+        <p:spPr>
+          <a:xfrm>
+            <a:off x="1860467" y="6123543"/>
+            <a:ext cx="8934203" cy="369332"/>
+          </a:xfrm>
+          <a:prstGeom prst="rect">
+            <a:avLst/>
+          </a:prstGeom>
+        </p:spPr>
+        <p:txBody>
+          <a:bodyPr wrap="square">
+            <a:spAutoFit/>
+          </a:bodyPr>
+          <a:lstStyle/>
+          <a:p>
+            <a:r>
+              <a:rPr lang="en-US" dirty="0">
+                <a:hlinkClick r:id="rId2"/>
+              </a:rPr>
+              <a:t>https://raw.githubusercontent.com/intelkevinputnam/tech-writing-school/main/ktp-adv.rst</a:t>
+            </a:r>
+            <a:endParaRPr lang="en-US" dirty="0"/>
           </a:p>
         </p:txBody>
       </p:sp>
@@ -4380,7 +5012,7 @@
 </p:sld>
 </file>
 
-<file path=ppt/slides/slide5.xml><?xml version="1.0" encoding="utf-8"?>
+<file path=ppt/slides/slide6.xml><?xml version="1.0" encoding="utf-8"?>
 <p:sld xmlns:a="http://schemas.openxmlformats.org/drawingml/2006/main" xmlns:r="http://schemas.openxmlformats.org/officeDocument/2006/relationships" xmlns:p="http://schemas.openxmlformats.org/presentationml/2006/main">
   <p:cSld>
     <p:spTree>
@@ -5197,7 +5829,7 @@
 </p:sld>
 </file>
 
-<file path=ppt/slides/slide6.xml><?xml version="1.0" encoding="utf-8"?>
+<file path=ppt/slides/slide7.xml><?xml version="1.0" encoding="utf-8"?>
 <p:sld xmlns:a="http://schemas.openxmlformats.org/drawingml/2006/main" xmlns:r="http://schemas.openxmlformats.org/officeDocument/2006/relationships" xmlns:p="http://schemas.openxmlformats.org/presentationml/2006/main">
   <p:cSld>
     <p:spTree>
@@ -5437,7 +6069,7 @@
 </p:sld>
 </file>
 
-<file path=ppt/slides/slide7.xml><?xml version="1.0" encoding="utf-8"?>
+<file path=ppt/slides/slide8.xml><?xml version="1.0" encoding="utf-8"?>
 <p:sld xmlns:a="http://schemas.openxmlformats.org/drawingml/2006/main" xmlns:r="http://schemas.openxmlformats.org/officeDocument/2006/relationships" xmlns:p="http://schemas.openxmlformats.org/presentationml/2006/main">
   <p:cSld>
     <p:spTree>
@@ -6026,179 +6658,6 @@
 </p:sld>
 </file>
 
-<file path=ppt/slides/slide8.xml><?xml version="1.0" encoding="utf-8"?>
-<p:sld xmlns:a="http://schemas.openxmlformats.org/drawingml/2006/main" xmlns:r="http://schemas.openxmlformats.org/officeDocument/2006/relationships" xmlns:p="http://schemas.openxmlformats.org/presentationml/2006/main">
-  <p:cSld>
-    <p:spTree>
-      <p:nvGrpSpPr>
-        <p:cNvPr id="1" name=""/>
-        <p:cNvGrpSpPr/>
-        <p:nvPr/>
-      </p:nvGrpSpPr>
-      <p:grpSpPr>
-        <a:xfrm>
-          <a:off x="0" y="0"/>
-          <a:ext cx="0" cy="0"/>
-          <a:chOff x="0" y="0"/>
-          <a:chExt cx="0" cy="0"/>
-        </a:xfrm>
-      </p:grpSpPr>
-      <p:sp>
-        <p:nvSpPr>
-          <p:cNvPr id="2" name="Title 1">
-            <a:extLst>
-              <a:ext uri="{FF2B5EF4-FFF2-40B4-BE49-F238E27FC236}">
-                <a16:creationId xmlns:a16="http://schemas.microsoft.com/office/drawing/2014/main" id="{9F2DBC17-3384-4BA3-B186-C0A3FCCC73A4}"/>
-              </a:ext>
-            </a:extLst>
-          </p:cNvPr>
-          <p:cNvSpPr>
-            <a:spLocks noGrp="1"/>
-          </p:cNvSpPr>
-          <p:nvPr>
-            <p:ph type="title"/>
-          </p:nvPr>
-        </p:nvSpPr>
-        <p:spPr/>
-        <p:txBody>
-          <a:bodyPr/>
-          <a:lstStyle/>
-          <a:p>
-            <a:r>
-              <a:rPr lang="en-US" dirty="0"/>
-              <a:t>Sphinx</a:t>
-            </a:r>
-          </a:p>
-        </p:txBody>
-      </p:sp>
-      <p:sp>
-        <p:nvSpPr>
-          <p:cNvPr id="3" name="Content Placeholder 2">
-            <a:extLst>
-              <a:ext uri="{FF2B5EF4-FFF2-40B4-BE49-F238E27FC236}">
-                <a16:creationId xmlns:a16="http://schemas.microsoft.com/office/drawing/2014/main" id="{A8D25C05-4255-4F95-B566-B28D15DF7D51}"/>
-              </a:ext>
-            </a:extLst>
-          </p:cNvPr>
-          <p:cNvSpPr>
-            <a:spLocks noGrp="1"/>
-          </p:cNvSpPr>
-          <p:nvPr>
-            <p:ph idx="1"/>
-          </p:nvPr>
-        </p:nvSpPr>
-        <p:spPr/>
-        <p:txBody>
-          <a:bodyPr>
-            <a:normAutofit lnSpcReduction="10000"/>
-          </a:bodyPr>
-          <a:lstStyle/>
-          <a:p>
-            <a:pPr marL="0" indent="0">
-              <a:buNone/>
-            </a:pPr>
-            <a:r>
-              <a:rPr lang="en-US" dirty="0">
-                <a:hlinkClick r:id="rId2"/>
-              </a:rPr>
-              <a:t>Sphinx</a:t>
-            </a:r>
-            <a:r>
-              <a:rPr lang="en-US" dirty="0"/>
-              <a:t> is an open-source documentation generation framework that uses </a:t>
-            </a:r>
-            <a:r>
-              <a:rPr lang="en-US" dirty="0" err="1"/>
-              <a:t>reStructureText</a:t>
-            </a:r>
-            <a:r>
-              <a:rPr lang="en-US" dirty="0"/>
-              <a:t> as its source. </a:t>
-            </a:r>
-          </a:p>
-          <a:p>
-            <a:pPr marL="0" indent="0">
-              <a:buNone/>
-            </a:pPr>
-            <a:endParaRPr lang="en-US" dirty="0"/>
-          </a:p>
-          <a:p>
-            <a:pPr marL="0" indent="0">
-              <a:buNone/>
-            </a:pPr>
-            <a:r>
-              <a:rPr lang="en-US" dirty="0"/>
-              <a:t>It was originally developed to create documentation for the Python programming language and is written in Python.</a:t>
-            </a:r>
-          </a:p>
-          <a:p>
-            <a:pPr marL="0" indent="0">
-              <a:buNone/>
-            </a:pPr>
-            <a:endParaRPr lang="en-US" dirty="0"/>
-          </a:p>
-          <a:p>
-            <a:pPr marL="0" indent="0">
-              <a:buNone/>
-            </a:pPr>
-            <a:r>
-              <a:rPr lang="en-US" dirty="0"/>
-              <a:t>It can combine any number of </a:t>
-            </a:r>
-            <a:r>
-              <a:rPr lang="en-US" dirty="0" err="1"/>
-              <a:t>reST</a:t>
-            </a:r>
-            <a:r>
-              <a:rPr lang="en-US" dirty="0"/>
-              <a:t> files into a single document set. Sphinx markup is a superset of </a:t>
-            </a:r>
-            <a:r>
-              <a:rPr lang="en-US" dirty="0" err="1"/>
-              <a:t>reStructuredText</a:t>
-            </a:r>
-            <a:r>
-              <a:rPr lang="en-US" dirty="0"/>
-              <a:t>, defining new </a:t>
-            </a:r>
-            <a:r>
-              <a:rPr lang="en-US" b="1" dirty="0"/>
-              <a:t>directives</a:t>
-            </a:r>
-            <a:r>
-              <a:rPr lang="en-US" dirty="0"/>
-              <a:t> and </a:t>
-            </a:r>
-            <a:r>
-              <a:rPr lang="en-US" b="1" dirty="0"/>
-              <a:t>roles</a:t>
-            </a:r>
-            <a:r>
-              <a:rPr lang="en-US" dirty="0"/>
-              <a:t>. Sphinx makes it easy to customize the look and feel of the static HTML output.</a:t>
-            </a:r>
-          </a:p>
-          <a:p>
-            <a:pPr marL="0" indent="0">
-              <a:buNone/>
-            </a:pPr>
-            <a:endParaRPr lang="en-US" dirty="0"/>
-          </a:p>
-        </p:txBody>
-      </p:sp>
-    </p:spTree>
-    <p:extLst>
-      <p:ext uri="{BB962C8B-B14F-4D97-AF65-F5344CB8AC3E}">
-        <p14:creationId xmlns:p14="http://schemas.microsoft.com/office/powerpoint/2010/main" val="1940685784"/>
-      </p:ext>
-    </p:extLst>
-  </p:cSld>
-  <p:clrMapOvr>
-    <a:masterClrMapping/>
-  </p:clrMapOvr>
-</p:sld>
-</file>
-
 <file path=ppt/slides/slide9.xml><?xml version="1.0" encoding="utf-8"?>
 <p:sld xmlns:a="http://schemas.openxmlformats.org/drawingml/2006/main" xmlns:r="http://schemas.openxmlformats.org/officeDocument/2006/relationships" xmlns:p="http://schemas.openxmlformats.org/presentationml/2006/main">
   <p:cSld>
@@ -6221,7 +6680,7 @@
           <p:cNvPr id="2" name="Title 1">
             <a:extLst>
               <a:ext uri="{FF2B5EF4-FFF2-40B4-BE49-F238E27FC236}">
-                <a16:creationId xmlns:a16="http://schemas.microsoft.com/office/drawing/2014/main" id="{0ED33DF6-7667-4E4E-AACF-A2FCC6BC8CA9}"/>
+                <a16:creationId xmlns:a16="http://schemas.microsoft.com/office/drawing/2014/main" id="{0984A0DC-7E4D-467E-8683-61C4FCF41502}"/>
               </a:ext>
             </a:extLst>
           </p:cNvPr>
@@ -6239,7 +6698,7 @@
           <a:p>
             <a:r>
               <a:rPr lang="en-US" dirty="0"/>
-              <a:t>Sphinx basics</a:t>
+              <a:t>Create your own version</a:t>
             </a:r>
           </a:p>
         </p:txBody>
@@ -6249,7 +6708,7 @@
           <p:cNvPr id="3" name="Content Placeholder 2">
             <a:extLst>
               <a:ext uri="{FF2B5EF4-FFF2-40B4-BE49-F238E27FC236}">
-                <a16:creationId xmlns:a16="http://schemas.microsoft.com/office/drawing/2014/main" id="{2AF3DEE9-06EC-47CE-86CD-BA58C3AA19F8}"/>
+                <a16:creationId xmlns:a16="http://schemas.microsoft.com/office/drawing/2014/main" id="{F0F0B623-BC93-4EA9-9DC6-B003F01A82CD}"/>
               </a:ext>
             </a:extLst>
           </p:cNvPr>
@@ -6262,116 +6721,44 @@
         </p:nvSpPr>
         <p:spPr/>
         <p:txBody>
-          <a:bodyPr>
-            <a:normAutofit lnSpcReduction="10000"/>
-          </a:bodyPr>
-          <a:lstStyle/>
-          <a:p>
-            <a:r>
-              <a:rPr lang="en-US" dirty="0"/>
-              <a:t>The .. </a:t>
-            </a:r>
-            <a:r>
-              <a:rPr lang="en-US" dirty="0" err="1"/>
-              <a:t>toctree</a:t>
-            </a:r>
-            <a:r>
-              <a:rPr lang="en-US" dirty="0"/>
-              <a:t>:: directive is the most important element of a Sphinx project. Every </a:t>
-            </a:r>
-            <a:r>
-              <a:rPr lang="en-US" dirty="0" err="1"/>
-              <a:t>reST</a:t>
-            </a:r>
-            <a:r>
-              <a:rPr lang="en-US" dirty="0"/>
-              <a:t> file must be referenced by a </a:t>
-            </a:r>
-            <a:r>
-              <a:rPr lang="en-US" dirty="0" err="1"/>
-              <a:t>toctree</a:t>
-            </a:r>
-            <a:r>
-              <a:rPr lang="en-US" dirty="0"/>
-              <a:t>.</a:t>
-            </a:r>
-          </a:p>
-          <a:p>
-            <a:r>
-              <a:rPr lang="en-US" dirty="0"/>
-              <a:t>Link to any reference target using the :ref: role no matter what file it is in (this is why they should be unique).</a:t>
-            </a:r>
-          </a:p>
-          <a:p>
-            <a:r>
-              <a:rPr lang="en-US" dirty="0"/>
-              <a:t>Only two files are required:</a:t>
-            </a:r>
-          </a:p>
-          <a:p>
-            <a:pPr marL="914400" lvl="1" indent="-457200">
+          <a:bodyPr/>
+          <a:lstStyle/>
+          <a:p>
+            <a:pPr marL="514350" indent="-514350">
               <a:buFont typeface="+mj-lt"/>
               <a:buAutoNum type="arabicPeriod"/>
             </a:pPr>
             <a:r>
               <a:rPr lang="en-US" dirty="0"/>
-              <a:t>conf.py – configuration information for the Sphinx project.</a:t>
-            </a:r>
-          </a:p>
-          <a:p>
-            <a:pPr marL="914400" lvl="1" indent="-457200">
+              <a:t>Use the example file (</a:t>
+            </a:r>
+            <a:r>
+              <a:rPr lang="en-US" dirty="0" err="1"/>
+              <a:t>ktp-adv.rst</a:t>
+            </a:r>
+            <a:r>
+              <a:rPr lang="en-US" dirty="0"/>
+              <a:t>) as a template to share some information about yourself.</a:t>
+            </a:r>
+          </a:p>
+          <a:p>
+            <a:pPr marL="514350" indent="-514350">
               <a:buFont typeface="+mj-lt"/>
               <a:buAutoNum type="arabicPeriod"/>
             </a:pPr>
             <a:r>
-              <a:rPr lang="en-US" dirty="0" err="1"/>
-              <a:t>index.rst</a:t>
-            </a:r>
-            <a:r>
-              <a:rPr lang="en-US" dirty="0"/>
-              <a:t> – top level file with primary </a:t>
-            </a:r>
-            <a:r>
-              <a:rPr lang="en-US" dirty="0" err="1"/>
-              <a:t>toctree</a:t>
-            </a:r>
-            <a:r>
-              <a:rPr lang="en-US" dirty="0"/>
-              <a:t>.</a:t>
-            </a:r>
-          </a:p>
-          <a:p>
-            <a:pPr marL="914400" lvl="1" indent="-457200">
+              <a:rPr lang="en-US" dirty="0"/>
+              <a:t>Rename the file using your initials or your name.</a:t>
+            </a:r>
+          </a:p>
+          <a:p>
+            <a:pPr marL="514350" indent="-514350">
               <a:buFont typeface="+mj-lt"/>
               <a:buAutoNum type="arabicPeriod"/>
             </a:pPr>
             <a:r>
-              <a:rPr lang="en-US" dirty="0" err="1"/>
-              <a:t>Makefile</a:t>
-            </a:r>
-            <a:r>
-              <a:rPr lang="en-US" dirty="0"/>
-              <a:t>/make.bat – are included to make building easier.</a:t>
-            </a:r>
-          </a:p>
-          <a:p>
-            <a:r>
-              <a:rPr lang="en-US" dirty="0"/>
-              <a:t>Build the docs:</a:t>
-            </a:r>
-          </a:p>
-          <a:p>
-            <a:pPr lvl="1"/>
-            <a:r>
-              <a:rPr lang="en-US" dirty="0"/>
-              <a:t>Using make: make html</a:t>
-            </a:r>
-          </a:p>
-          <a:p>
-            <a:pPr lvl="1"/>
-            <a:r>
-              <a:rPr lang="en-US" dirty="0"/>
-              <a:t>sphinx-build -b html . _build/html  </a:t>
+              <a:rPr lang="en-US" dirty="0"/>
+              <a:t>Send it to me via email. Don’t forget to send your image file too, if you used one.</a:t>
             </a:r>
           </a:p>
         </p:txBody>
@@ -6379,7 +6766,7 @@
     </p:spTree>
     <p:extLst>
       <p:ext uri="{BB962C8B-B14F-4D97-AF65-F5344CB8AC3E}">
-        <p14:creationId xmlns:p14="http://schemas.microsoft.com/office/powerpoint/2010/main" val="3730033890"/>
+        <p14:creationId xmlns:p14="http://schemas.microsoft.com/office/powerpoint/2010/main" val="2311262950"/>
       </p:ext>
     </p:extLst>
   </p:cSld>

--- a/rest-sphinx-for-open-source.pptx
+++ b/rest-sphinx-for-open-source.pptx
@@ -16,6 +16,7 @@
     <p:sldId id="265" r:id="rId10"/>
     <p:sldId id="262" r:id="rId11"/>
     <p:sldId id="264" r:id="rId12"/>
+    <p:sldId id="267" r:id="rId13"/>
   </p:sldIdLst>
   <p:sldSz cx="12192000" cy="6858000"/>
   <p:notesSz cx="6858000" cy="9144000"/>
@@ -3868,7 +3869,7 @@
           <a:p>
             <a:r>
               <a:rPr lang="en-US" dirty="0"/>
-              <a:t>Open-Source docs with </a:t>
+              <a:t>Writing with </a:t>
             </a:r>
             <a:r>
               <a:rPr lang="en-US" dirty="0" err="1"/>
@@ -3986,7 +3987,7 @@
         <p:spPr/>
         <p:txBody>
           <a:bodyPr>
-            <a:normAutofit lnSpcReduction="10000"/>
+            <a:normAutofit fontScale="92500" lnSpcReduction="10000"/>
           </a:bodyPr>
           <a:lstStyle/>
           <a:p>
@@ -4071,7 +4072,22 @@
             </a:r>
             <a:r>
               <a:rPr lang="en-US" dirty="0"/>
-              <a:t>. Sphinx makes it easy to customize the look and feel of the static HTML output.</a:t>
+              <a:t>. </a:t>
+            </a:r>
+          </a:p>
+          <a:p>
+            <a:pPr marL="0" indent="0">
+              <a:buNone/>
+            </a:pPr>
+            <a:endParaRPr lang="en-US" dirty="0"/>
+          </a:p>
+          <a:p>
+            <a:pPr marL="0" indent="0">
+              <a:buNone/>
+            </a:pPr>
+            <a:r>
+              <a:rPr lang="en-US" dirty="0"/>
+              <a:t>Sphinx makes it easy to customize the look and feel of the static HTML output.</a:t>
             </a:r>
           </a:p>
           <a:p>
@@ -4293,6 +4309,155 @@
 </p:sld>
 </file>
 
+<file path=ppt/slides/slide12.xml><?xml version="1.0" encoding="utf-8"?>
+<p:sld xmlns:a="http://schemas.openxmlformats.org/drawingml/2006/main" xmlns:r="http://schemas.openxmlformats.org/officeDocument/2006/relationships" xmlns:p="http://schemas.openxmlformats.org/presentationml/2006/main">
+  <p:cSld>
+    <p:spTree>
+      <p:nvGrpSpPr>
+        <p:cNvPr id="1" name=""/>
+        <p:cNvGrpSpPr/>
+        <p:nvPr/>
+      </p:nvGrpSpPr>
+      <p:grpSpPr>
+        <a:xfrm>
+          <a:off x="0" y="0"/>
+          <a:ext cx="0" cy="0"/>
+          <a:chOff x="0" y="0"/>
+          <a:chExt cx="0" cy="0"/>
+        </a:xfrm>
+      </p:grpSpPr>
+      <p:sp>
+        <p:nvSpPr>
+          <p:cNvPr id="2" name="Title 1">
+            <a:extLst>
+              <a:ext uri="{FF2B5EF4-FFF2-40B4-BE49-F238E27FC236}">
+                <a16:creationId xmlns:a16="http://schemas.microsoft.com/office/drawing/2014/main" id="{2659425E-7984-45F3-A69D-3411BFC4671F}"/>
+              </a:ext>
+            </a:extLst>
+          </p:cNvPr>
+          <p:cNvSpPr>
+            <a:spLocks noGrp="1"/>
+          </p:cNvSpPr>
+          <p:nvPr>
+            <p:ph type="title"/>
+          </p:nvPr>
+        </p:nvSpPr>
+        <p:spPr/>
+        <p:txBody>
+          <a:bodyPr/>
+          <a:lstStyle/>
+          <a:p>
+            <a:r>
+              <a:rPr lang="en-US" dirty="0"/>
+              <a:t>Takeaways</a:t>
+            </a:r>
+          </a:p>
+        </p:txBody>
+      </p:sp>
+      <p:sp>
+        <p:nvSpPr>
+          <p:cNvPr id="3" name="Content Placeholder 2">
+            <a:extLst>
+              <a:ext uri="{FF2B5EF4-FFF2-40B4-BE49-F238E27FC236}">
+                <a16:creationId xmlns:a16="http://schemas.microsoft.com/office/drawing/2014/main" id="{E7C88FBD-4CB5-4ABE-B69A-A7AE83788BE9}"/>
+              </a:ext>
+            </a:extLst>
+          </p:cNvPr>
+          <p:cNvSpPr>
+            <a:spLocks noGrp="1"/>
+          </p:cNvSpPr>
+          <p:nvPr>
+            <p:ph idx="1"/>
+          </p:nvPr>
+        </p:nvSpPr>
+        <p:spPr/>
+        <p:txBody>
+          <a:bodyPr/>
+          <a:lstStyle/>
+          <a:p>
+            <a:r>
+              <a:rPr lang="en-US" dirty="0"/>
+              <a:t>Most of </a:t>
+            </a:r>
+            <a:r>
+              <a:rPr lang="en-US" dirty="0" err="1"/>
+              <a:t>reST</a:t>
+            </a:r>
+            <a:r>
+              <a:rPr lang="en-US" dirty="0"/>
+              <a:t> is defined in </a:t>
+            </a:r>
+            <a:r>
+              <a:rPr lang="en-US" dirty="0" err="1">
+                <a:hlinkClick r:id="rId2"/>
+              </a:rPr>
+              <a:t>Docutils</a:t>
+            </a:r>
+            <a:r>
+              <a:rPr lang="en-US" dirty="0"/>
+              <a:t>.</a:t>
+            </a:r>
+          </a:p>
+          <a:p>
+            <a:r>
+              <a:rPr lang="en-US" dirty="0"/>
+              <a:t>Sphinx combines </a:t>
+            </a:r>
+            <a:r>
+              <a:rPr lang="en-US" dirty="0" err="1"/>
+              <a:t>reST</a:t>
+            </a:r>
+            <a:r>
+              <a:rPr lang="en-US" dirty="0"/>
+              <a:t> files to create a hierarchical document.</a:t>
+            </a:r>
+          </a:p>
+          <a:p>
+            <a:r>
+              <a:rPr lang="en-US" dirty="0"/>
+              <a:t>Sphinx also defines a </a:t>
+            </a:r>
+            <a:r>
+              <a:rPr lang="en-US" dirty="0">
+                <a:hlinkClick r:id="rId3"/>
+              </a:rPr>
+              <a:t>superset of </a:t>
+            </a:r>
+            <a:r>
+              <a:rPr lang="en-US" dirty="0" err="1">
+                <a:hlinkClick r:id="rId3"/>
+              </a:rPr>
+              <a:t>reST</a:t>
+            </a:r>
+            <a:r>
+              <a:rPr lang="en-US" dirty="0"/>
+              <a:t>. </a:t>
+            </a:r>
+          </a:p>
+          <a:p>
+            <a:r>
+              <a:rPr lang="en-US" dirty="0"/>
+              <a:t>Configure your Sphinx project in the conf.py.</a:t>
+            </a:r>
+          </a:p>
+          <a:p>
+            <a:endParaRPr lang="en-US" dirty="0"/>
+          </a:p>
+        </p:txBody>
+      </p:sp>
+    </p:spTree>
+    <p:extLst>
+      <p:ext uri="{BB962C8B-B14F-4D97-AF65-F5344CB8AC3E}">
+        <p14:creationId xmlns:p14="http://schemas.microsoft.com/office/powerpoint/2010/main" val="3496646356"/>
+      </p:ext>
+    </p:extLst>
+  </p:cSld>
+  <p:clrMapOvr>
+    <a:masterClrMapping/>
+  </p:clrMapOvr>
+</p:sld>
+</file>
+
 <file path=ppt/slides/slide2.xml><?xml version="1.0" encoding="utf-8"?>
 <p:sld xmlns:a="http://schemas.openxmlformats.org/drawingml/2006/main" xmlns:r="http://schemas.openxmlformats.org/officeDocument/2006/relationships" xmlns:p="http://schemas.openxmlformats.org/presentationml/2006/main">
   <p:cSld>
@@ -4485,7 +4650,7 @@
             </a:r>
             <a:r>
               <a:rPr lang="en-US" dirty="0"/>
-              <a:t> extension</a:t>
+              <a:t> extension for VS Code</a:t>
             </a:r>
           </a:p>
         </p:txBody>
